--- a/Презентация.pptx
+++ b/Презентация.pptx
@@ -236,7 +236,7 @@
           <a:p>
             <a:fld id="{3A45EFBC-4CF2-420F-8808-5EC4A786F73B}" type="datetimeFigureOut">
               <a:rPr lang="ru-RU" smtClean="0"/>
-              <a:t>24.12.2023</a:t>
+              <a:t>25.12.2023</a:t>
             </a:fld>
             <a:endParaRPr lang="ru-RU"/>
           </a:p>
@@ -1138,10 +1138,21 @@
           <a:p>
             <a:r>
               <a:rPr lang="ru-RU" dirty="0"/>
-              <a:t>Оно располагается в одноэтажном здании с подвалом и имеет в своем составе разные структурные подразделения - отделах продаж, маркетинга, логистики, бухгалтерии и других.</a:t>
-            </a:r>
-          </a:p>
-          <a:p>
+              <a:t>Оно располагается в одноэтажном здании с подвалом и имеет в своем составе разные структурные подразделения - отделы продаж, маркетинга, логистики, бухгалтерии и другие.</a:t>
+            </a:r>
+          </a:p>
+          <a:p>
+            <a:r>
+              <a:rPr lang="en-US" dirty="0"/>
+              <a:t>###</a:t>
+            </a:r>
+            <a:endParaRPr lang="ru-RU" dirty="0"/>
+          </a:p>
+          <a:p>
+            <a:r>
+              <a:rPr lang="en-US" dirty="0"/>
+              <a:t>(</a:t>
+            </a:r>
             <a:r>
               <a:rPr lang="ru-RU" dirty="0"/>
               <a:t>В подвале находятся серверная, бухгалтерия и помещения операторов колл-центра. На первом этаже расположены офисы для администрации и отделов.</a:t>
@@ -1898,7 +1909,7 @@
           <a:p>
             <a:r>
               <a:rPr lang="ru-RU" sz="3200" dirty="0"/>
-              <a:t>Он выполняет функции безопасности, а также разграничивает доступ из внешней,  внутренней и гостевой сети.</a:t>
+              <a:t>Он выполняет функции безопасности, а также разграничивает доступ из внешней, внутренней и гостевой сети.</a:t>
             </a:r>
           </a:p>
           <a:p>
@@ -14284,7 +14295,7 @@
         </p:nvSpPr>
         <p:spPr>
           <a:xfrm>
-            <a:off x="10896480" y="6310440"/>
+            <a:off x="10878192" y="6310440"/>
             <a:ext cx="455040" cy="455040"/>
           </a:xfrm>
           <a:prstGeom prst="ellipse">
@@ -14560,7 +14571,7 @@
         </p:nvSpPr>
         <p:spPr>
           <a:xfrm>
-            <a:off x="10896480" y="6310440"/>
+            <a:off x="10878192" y="6319080"/>
             <a:ext cx="455040" cy="455040"/>
           </a:xfrm>
           <a:prstGeom prst="ellipse">
@@ -15143,7 +15154,7 @@
         </p:nvSpPr>
         <p:spPr>
           <a:xfrm>
-            <a:off x="10896480" y="6310440"/>
+            <a:off x="10872096" y="6310440"/>
             <a:ext cx="455040" cy="455040"/>
           </a:xfrm>
           <a:prstGeom prst="ellipse">
@@ -15366,14 +15377,14 @@
           <p:nvPr>
             <p:extLst>
               <p:ext uri="{D42A27DB-BD31-4B8C-83A1-F6EECF244321}">
-                <p14:modId xmlns:p14="http://schemas.microsoft.com/office/powerpoint/2010/main" val="3680424076"/>
+                <p14:modId xmlns:p14="http://schemas.microsoft.com/office/powerpoint/2010/main" val="1239077955"/>
               </p:ext>
             </p:extLst>
           </p:nvPr>
         </p:nvGraphicFramePr>
         <p:xfrm>
-          <a:off x="458930" y="805002"/>
-          <a:ext cx="10892590" cy="5876104"/>
+          <a:off x="458930" y="805003"/>
+          <a:ext cx="11554000" cy="5418166"/>
         </p:xfrm>
         <a:graphic>
           <a:graphicData uri="http://schemas.openxmlformats.org/drawingml/2006/table">
@@ -15382,14 +15393,14 @@
                 <a:tableStyleId>{5C22544A-7EE6-4342-B048-85BDC9FD1C3A}</a:tableStyleId>
               </a:tblPr>
               <a:tblGrid>
-                <a:gridCol w="3022207">
+                <a:gridCol w="3205719">
                   <a:extLst>
                     <a:ext uri="{9D8B030D-6E8A-4147-A177-3AD203B41FA5}">
                       <a16:colId xmlns:a16="http://schemas.microsoft.com/office/drawing/2014/main" val="2797848909"/>
                     </a:ext>
                   </a:extLst>
                 </a:gridCol>
-                <a:gridCol w="7870383">
+                <a:gridCol w="8348281">
                   <a:extLst>
                     <a:ext uri="{9D8B030D-6E8A-4147-A177-3AD203B41FA5}">
                       <a16:colId xmlns:a16="http://schemas.microsoft.com/office/drawing/2014/main" val="2685562212"/>
@@ -15397,7 +15408,7 @@
                   </a:extLst>
                 </a:gridCol>
               </a:tblGrid>
-              <a:tr h="874666">
+              <a:tr h="794850">
                 <a:tc>
                   <a:txBody>
                     <a:bodyPr/>
@@ -15445,7 +15456,7 @@
                   </a:ext>
                 </a:extLst>
               </a:tr>
-              <a:tr h="874666">
+              <a:tr h="1148117">
                 <a:tc>
                   <a:txBody>
                     <a:bodyPr/>
@@ -15533,7 +15544,7 @@
                   </a:ext>
                 </a:extLst>
               </a:tr>
-              <a:tr h="874666">
+              <a:tr h="752061">
                 <a:tc>
                   <a:txBody>
                     <a:bodyPr/>
@@ -15583,7 +15594,7 @@
                   </a:ext>
                 </a:extLst>
               </a:tr>
-              <a:tr h="874666">
+              <a:tr h="794850">
                 <a:tc>
                   <a:txBody>
                     <a:bodyPr/>
@@ -15643,7 +15654,7 @@
                   </a:ext>
                 </a:extLst>
               </a:tr>
-              <a:tr h="874666">
+              <a:tr h="752061">
                 <a:tc>
                   <a:txBody>
                     <a:bodyPr/>
@@ -15689,7 +15700,7 @@
                   </a:ext>
                 </a:extLst>
               </a:tr>
-              <a:tr h="874666">
+              <a:tr h="1148117">
                 <a:tc>
                   <a:txBody>
                     <a:bodyPr/>
@@ -15858,7 +15869,7 @@
         </p:nvSpPr>
         <p:spPr>
           <a:xfrm>
-            <a:off x="10896480" y="6310440"/>
+            <a:off x="10976490" y="6310440"/>
             <a:ext cx="455040" cy="455040"/>
           </a:xfrm>
           <a:prstGeom prst="ellipse">
@@ -16004,7 +16015,7 @@
                 <a:latin typeface="Calibri Light"/>
                 <a:ea typeface="DejaVu Sans"/>
               </a:rPr>
-              <a:t>Расчет стоимости проекта (оборудование)</a:t>
+              <a:t>Расчет стоимости проекта</a:t>
             </a:r>
             <a:endParaRPr lang="ru-RU" sz="4400" b="0" strike="noStrike" spc="-1" dirty="0">
               <a:latin typeface="Arial"/>
@@ -16534,7 +16545,7 @@
         </p:nvSpPr>
         <p:spPr>
           <a:xfrm>
-            <a:off x="10896480" y="6310440"/>
+            <a:off x="10935648" y="6310440"/>
             <a:ext cx="455040" cy="455040"/>
           </a:xfrm>
           <a:prstGeom prst="ellipse">
